--- a/classes/prog2017/Prog3-Lecture19.pptx
+++ b/classes/prog2017/Prog3-Lecture19.pptx
@@ -228,7 +228,7 @@
           <a:p>
             <a:fld id="{827FF0C2-5BD7-4ACE-A692-9F9EF4AE1B37}" type="datetimeFigureOut">
               <a:rPr lang="en-US" smtClean="0"/>
-              <a:t>10/29/2017</a:t>
+              <a:t>11/2/2017</a:t>
             </a:fld>
             <a:endParaRPr lang="en-US"/>
           </a:p>
@@ -1059,7 +1059,7 @@
           <a:p>
             <a:fld id="{BD7867F7-6ED0-4676-9C58-D45A04AA3FAF}" type="datetimeFigureOut">
               <a:rPr lang="en-US" smtClean="0"/>
-              <a:t>10/29/2017</a:t>
+              <a:t>11/2/2017</a:t>
             </a:fld>
             <a:endParaRPr lang="en-US"/>
           </a:p>
@@ -1227,7 +1227,7 @@
           <a:p>
             <a:fld id="{BD7867F7-6ED0-4676-9C58-D45A04AA3FAF}" type="datetimeFigureOut">
               <a:rPr lang="en-US" smtClean="0"/>
-              <a:t>10/29/2017</a:t>
+              <a:t>11/2/2017</a:t>
             </a:fld>
             <a:endParaRPr lang="en-US"/>
           </a:p>
@@ -1405,7 +1405,7 @@
           <a:p>
             <a:fld id="{BD7867F7-6ED0-4676-9C58-D45A04AA3FAF}" type="datetimeFigureOut">
               <a:rPr lang="en-US" smtClean="0"/>
-              <a:t>10/29/2017</a:t>
+              <a:t>11/2/2017</a:t>
             </a:fld>
             <a:endParaRPr lang="en-US"/>
           </a:p>
@@ -1573,7 +1573,7 @@
           <a:p>
             <a:fld id="{BD7867F7-6ED0-4676-9C58-D45A04AA3FAF}" type="datetimeFigureOut">
               <a:rPr lang="en-US" smtClean="0"/>
-              <a:t>10/29/2017</a:t>
+              <a:t>11/2/2017</a:t>
             </a:fld>
             <a:endParaRPr lang="en-US"/>
           </a:p>
@@ -1818,7 +1818,7 @@
           <a:p>
             <a:fld id="{BD7867F7-6ED0-4676-9C58-D45A04AA3FAF}" type="datetimeFigureOut">
               <a:rPr lang="en-US" smtClean="0"/>
-              <a:t>10/29/2017</a:t>
+              <a:t>11/2/2017</a:t>
             </a:fld>
             <a:endParaRPr lang="en-US"/>
           </a:p>
@@ -2047,7 +2047,7 @@
           <a:p>
             <a:fld id="{BD7867F7-6ED0-4676-9C58-D45A04AA3FAF}" type="datetimeFigureOut">
               <a:rPr lang="en-US" smtClean="0"/>
-              <a:t>10/29/2017</a:t>
+              <a:t>11/2/2017</a:t>
             </a:fld>
             <a:endParaRPr lang="en-US"/>
           </a:p>
@@ -2411,7 +2411,7 @@
           <a:p>
             <a:fld id="{BD7867F7-6ED0-4676-9C58-D45A04AA3FAF}" type="datetimeFigureOut">
               <a:rPr lang="en-US" smtClean="0"/>
-              <a:t>10/29/2017</a:t>
+              <a:t>11/2/2017</a:t>
             </a:fld>
             <a:endParaRPr lang="en-US"/>
           </a:p>
@@ -2528,7 +2528,7 @@
           <a:p>
             <a:fld id="{BD7867F7-6ED0-4676-9C58-D45A04AA3FAF}" type="datetimeFigureOut">
               <a:rPr lang="en-US" smtClean="0"/>
-              <a:t>10/29/2017</a:t>
+              <a:t>11/2/2017</a:t>
             </a:fld>
             <a:endParaRPr lang="en-US"/>
           </a:p>
@@ -2623,7 +2623,7 @@
           <a:p>
             <a:fld id="{BD7867F7-6ED0-4676-9C58-D45A04AA3FAF}" type="datetimeFigureOut">
               <a:rPr lang="en-US" smtClean="0"/>
-              <a:t>10/29/2017</a:t>
+              <a:t>11/2/2017</a:t>
             </a:fld>
             <a:endParaRPr lang="en-US"/>
           </a:p>
@@ -2898,7 +2898,7 @@
           <a:p>
             <a:fld id="{BD7867F7-6ED0-4676-9C58-D45A04AA3FAF}" type="datetimeFigureOut">
               <a:rPr lang="en-US" smtClean="0"/>
-              <a:t>10/29/2017</a:t>
+              <a:t>11/2/2017</a:t>
             </a:fld>
             <a:endParaRPr lang="en-US"/>
           </a:p>
@@ -3150,7 +3150,7 @@
           <a:p>
             <a:fld id="{BD7867F7-6ED0-4676-9C58-D45A04AA3FAF}" type="datetimeFigureOut">
               <a:rPr lang="en-US" smtClean="0"/>
-              <a:t>10/29/2017</a:t>
+              <a:t>11/2/2017</a:t>
             </a:fld>
             <a:endParaRPr lang="en-US"/>
           </a:p>
@@ -3361,7 +3361,7 @@
           <a:p>
             <a:fld id="{BD7867F7-6ED0-4676-9C58-D45A04AA3FAF}" type="datetimeFigureOut">
               <a:rPr lang="en-US" smtClean="0"/>
-              <a:t>10/29/2017</a:t>
+              <a:t>11/2/2017</a:t>
             </a:fld>
             <a:endParaRPr lang="en-US"/>
           </a:p>
@@ -4980,8 +4980,8 @@
         </p:nvSpPr>
         <p:spPr>
           <a:xfrm>
-            <a:off x="5581404" y="1246911"/>
-            <a:ext cx="6237605" cy="646331"/>
+            <a:off x="5581404" y="1231671"/>
+            <a:ext cx="5660524" cy="923330"/>
           </a:xfrm>
           <a:prstGeom prst="rect">
             <a:avLst/>
@@ -4999,16 +4999,25 @@
                 <a:latin typeface="Arial" panose="020B0604020202020204" pitchFamily="34" charset="0"/>
                 <a:cs typeface="Arial" panose="020B0604020202020204" pitchFamily="34" charset="0"/>
               </a:rPr>
-              <a:t>As long as no other methods hold more than one lock,</a:t>
-            </a:r>
-          </a:p>
-          <a:p>
-            <a:r>
-              <a:rPr lang="en-US" dirty="0">
-                <a:latin typeface="Arial" panose="020B0604020202020204" pitchFamily="34" charset="0"/>
-                <a:cs typeface="Arial" panose="020B0604020202020204" pitchFamily="34" charset="0"/>
-              </a:rPr>
-              <a:t>this won’t deadlock as locks are acquired in the same order</a:t>
+              <a:t>As long as no other methods hold a lock and then call</a:t>
+            </a:r>
+          </a:p>
+          <a:p>
+            <a:r>
+              <a:rPr lang="en-US" dirty="0">
+                <a:latin typeface="Arial" panose="020B0604020202020204" pitchFamily="34" charset="0"/>
+                <a:cs typeface="Arial" panose="020B0604020202020204" pitchFamily="34" charset="0"/>
+              </a:rPr>
+              <a:t>this method this won’t deadlock as locks </a:t>
+            </a:r>
+          </a:p>
+          <a:p>
+            <a:r>
+              <a:rPr lang="en-US" dirty="0">
+                <a:latin typeface="Arial" panose="020B0604020202020204" pitchFamily="34" charset="0"/>
+                <a:cs typeface="Arial" panose="020B0604020202020204" pitchFamily="34" charset="0"/>
+              </a:rPr>
+              <a:t>are acquired in the same order</a:t>
             </a:r>
           </a:p>
         </p:txBody>
